--- a/Mockito.pptx
+++ b/Mockito.pptx
@@ -5,7 +5,7 @@
     <p:sldMasterId id="2147483648" r:id="rId1"/>
   </p:sldMasterIdLst>
   <p:notesMasterIdLst>
-    <p:notesMasterId r:id="rId8"/>
+    <p:notesMasterId r:id="rId9"/>
   </p:notesMasterIdLst>
   <p:sldIdLst>
     <p:sldId id="256" r:id="rId2"/>
@@ -14,6 +14,7 @@
     <p:sldId id="259" r:id="rId5"/>
     <p:sldId id="260" r:id="rId6"/>
     <p:sldId id="261" r:id="rId7"/>
+    <p:sldId id="262" r:id="rId8"/>
   </p:sldIdLst>
   <p:sldSz cx="9144000" cy="6858000" type="screen4x3"/>
   <p:notesSz cx="6858000" cy="9144000"/>
@@ -197,6 +198,7 @@
           <a:p>
             <a:fld id="{8414FF7D-89D5-4843-9C92-7A92AD0CB51A}" type="datetimeFigureOut">
               <a:rPr lang="de-DE" smtClean="0"/>
+              <a:pPr/>
               <a:t>18.04.2017</a:t>
             </a:fld>
             <a:endParaRPr lang="de-DE"/>
@@ -358,6 +360,7 @@
           <a:p>
             <a:fld id="{4A52457D-E1DC-42EE-AB3D-333B96E8A171}" type="slidenum">
               <a:rPr lang="de-DE" smtClean="0"/>
+              <a:pPr/>
               <a:t>‹Nr.›</a:t>
             </a:fld>
             <a:endParaRPr lang="de-DE"/>
@@ -643,6 +646,7 @@
           <a:p>
             <a:fld id="{473BB342-BB8E-49A2-BD36-E8DB67577478}" type="datetime1">
               <a:rPr lang="de-DE" smtClean="0"/>
+              <a:pPr/>
               <a:t>18.04.2017</a:t>
             </a:fld>
             <a:endParaRPr lang="de-DE"/>
@@ -813,6 +817,7 @@
           <a:p>
             <a:fld id="{92018E44-860B-4944-AEC9-27E1F168C31D}" type="datetime1">
               <a:rPr lang="de-DE" smtClean="0"/>
+              <a:pPr/>
               <a:t>18.04.2017</a:t>
             </a:fld>
             <a:endParaRPr lang="de-DE"/>
@@ -993,6 +998,7 @@
           <a:p>
             <a:fld id="{F6006BFD-0D01-4132-9F08-968EB1E5C357}" type="datetime1">
               <a:rPr lang="de-DE" smtClean="0"/>
+              <a:pPr/>
               <a:t>18.04.2017</a:t>
             </a:fld>
             <a:endParaRPr lang="de-DE"/>
@@ -1163,6 +1169,7 @@
           <a:p>
             <a:fld id="{2A115A61-701A-4DB5-90AD-1C6D6B35CCCC}" type="datetime1">
               <a:rPr lang="de-DE" smtClean="0"/>
+              <a:pPr/>
               <a:t>18.04.2017</a:t>
             </a:fld>
             <a:endParaRPr lang="de-DE"/>
@@ -1409,6 +1416,7 @@
           <a:p>
             <a:fld id="{25226E4E-C692-4088-A901-BE831EFE0C92}" type="datetime1">
               <a:rPr lang="de-DE" smtClean="0"/>
+              <a:pPr/>
               <a:t>18.04.2017</a:t>
             </a:fld>
             <a:endParaRPr lang="de-DE"/>
@@ -1697,6 +1705,7 @@
           <a:p>
             <a:fld id="{159D60FB-83CF-4454-B6D3-AF93EC52A258}" type="datetime1">
               <a:rPr lang="de-DE" smtClean="0"/>
+              <a:pPr/>
               <a:t>18.04.2017</a:t>
             </a:fld>
             <a:endParaRPr lang="de-DE"/>
@@ -2119,6 +2128,7 @@
           <a:p>
             <a:fld id="{0D956148-CB09-477D-8D8F-5322FC250049}" type="datetime1">
               <a:rPr lang="de-DE" smtClean="0"/>
+              <a:pPr/>
               <a:t>18.04.2017</a:t>
             </a:fld>
             <a:endParaRPr lang="de-DE"/>
@@ -2237,6 +2247,7 @@
           <a:p>
             <a:fld id="{45A5117A-CCD2-4616-8C83-A5588BFE67D5}" type="datetime1">
               <a:rPr lang="de-DE" smtClean="0"/>
+              <a:pPr/>
               <a:t>18.04.2017</a:t>
             </a:fld>
             <a:endParaRPr lang="de-DE"/>
@@ -2332,6 +2343,7 @@
           <a:p>
             <a:fld id="{83AAB4A0-0957-4825-AA8A-359785E8AE18}" type="datetime1">
               <a:rPr lang="de-DE" smtClean="0"/>
+              <a:pPr/>
               <a:t>18.04.2017</a:t>
             </a:fld>
             <a:endParaRPr lang="de-DE"/>
@@ -2609,6 +2621,7 @@
           <a:p>
             <a:fld id="{20ADC691-1AD5-4FD9-86F9-E5DA2FB37875}" type="datetime1">
               <a:rPr lang="de-DE" smtClean="0"/>
+              <a:pPr/>
               <a:t>18.04.2017</a:t>
             </a:fld>
             <a:endParaRPr lang="de-DE"/>
@@ -2862,6 +2875,7 @@
           <a:p>
             <a:fld id="{0E0357F8-66D2-4E08-91CE-7A2BC94BCE60}" type="datetime1">
               <a:rPr lang="de-DE" smtClean="0"/>
+              <a:pPr/>
               <a:t>18.04.2017</a:t>
             </a:fld>
             <a:endParaRPr lang="de-DE"/>
@@ -3096,6 +3110,7 @@
           <a:p>
             <a:fld id="{2B44AB71-E8A1-4410-9978-EF73BB1DDFD8}" type="datetime1">
               <a:rPr lang="de-DE" smtClean="0"/>
+              <a:pPr/>
               <a:t>18.04.2017</a:t>
             </a:fld>
             <a:endParaRPr lang="de-DE"/>
@@ -3515,6 +3530,7 @@
           <a:p>
             <a:fld id="{995F9B17-991B-4CA2-928A-A03B552E5FBB}" type="datetime1">
               <a:rPr lang="de-DE" smtClean="0"/>
+              <a:pPr/>
               <a:t>18.04.2017</a:t>
             </a:fld>
             <a:endParaRPr lang="de-DE"/>
@@ -3677,6 +3693,12 @@
               <a:rPr lang="de-DE" dirty="0" smtClean="0"/>
               <a:t>?</a:t>
             </a:r>
+          </a:p>
+          <a:p>
+            <a:r>
+              <a:rPr lang="de-DE" dirty="0" smtClean="0"/>
+              <a:t>Demo im Quellcode</a:t>
+            </a:r>
             <a:endParaRPr lang="de-DE" dirty="0"/>
           </a:p>
         </p:txBody>
@@ -3698,6 +3720,7 @@
           <a:p>
             <a:fld id="{7226CA97-5C53-4CA9-B14F-E1301D1E037F}" type="datetime1">
               <a:rPr lang="de-DE" smtClean="0"/>
+              <a:pPr/>
               <a:t>18.04.2017</a:t>
             </a:fld>
             <a:endParaRPr lang="de-DE"/>
@@ -3908,6 +3931,7 @@
           <a:p>
             <a:fld id="{FBFD9BED-0DD3-49FD-94FF-70618CF59874}" type="datetime1">
               <a:rPr lang="de-DE" smtClean="0"/>
+              <a:pPr/>
               <a:t>18.04.2017</a:t>
             </a:fld>
             <a:endParaRPr lang="de-DE"/>
@@ -4085,6 +4109,7 @@
           <a:p>
             <a:fld id="{EAEE2178-FD91-4DBE-B197-B96C6EB346FB}" type="datetime1">
               <a:rPr lang="de-DE" smtClean="0"/>
+              <a:pPr/>
               <a:t>18.04.2017</a:t>
             </a:fld>
             <a:endParaRPr lang="de-DE"/>
@@ -4221,11 +4246,7 @@
             </a:r>
             <a:r>
               <a:rPr lang="de-DE" sz="2800" dirty="0" smtClean="0"/>
-              <a:t> Management </a:t>
-            </a:r>
-            <a:r>
-              <a:rPr lang="de-DE" sz="2800" dirty="0" smtClean="0"/>
-              <a:t>(</a:t>
+              <a:t> Management (</a:t>
             </a:r>
             <a:r>
               <a:rPr lang="de-DE" sz="2800" dirty="0" err="1" smtClean="0"/>
@@ -4235,7 +4256,6 @@
               <a:rPr lang="de-DE" sz="2800" dirty="0" smtClean="0"/>
               <a:t>)</a:t>
             </a:r>
-            <a:endParaRPr lang="de-DE" sz="2800" dirty="0" smtClean="0"/>
           </a:p>
           <a:p>
             <a:pPr fontAlgn="base">
@@ -4404,6 +4424,7 @@
           <a:p>
             <a:fld id="{52C20B04-223D-4369-B5D4-ADFEE9AE036E}" type="datetime1">
               <a:rPr lang="de-DE" smtClean="0"/>
+              <a:pPr/>
               <a:t>18.04.2017</a:t>
             </a:fld>
             <a:endParaRPr lang="de-DE"/>
@@ -4622,6 +4643,7 @@
           <a:p>
             <a:fld id="{D9241175-D1A0-43C7-A9B1-675C5F0F9A4C}" type="datetime1">
               <a:rPr lang="de-DE" smtClean="0"/>
+              <a:pPr/>
               <a:t>18.04.2017</a:t>
             </a:fld>
             <a:endParaRPr lang="de-DE"/>
@@ -4671,6 +4693,264 @@
               <a:rPr lang="de-DE" smtClean="0"/>
               <a:t>Marco Herglotz</a:t>
             </a:r>
+            <a:endParaRPr lang="de-DE"/>
+          </a:p>
+        </p:txBody>
+      </p:sp>
+    </p:spTree>
+  </p:cSld>
+  <p:clrMapOvr>
+    <a:masterClrMapping/>
+  </p:clrMapOvr>
+</p:sld>
+</file>
+
+<file path=ppt/slides/slide7.xml><?xml version="1.0" encoding="utf-8"?>
+<p:sld xmlns:a="http://schemas.openxmlformats.org/drawingml/2006/main" xmlns:r="http://schemas.openxmlformats.org/officeDocument/2006/relationships" xmlns:p="http://schemas.openxmlformats.org/presentationml/2006/main">
+  <p:cSld>
+    <p:spTree>
+      <p:nvGrpSpPr>
+        <p:cNvPr id="1" name=""/>
+        <p:cNvGrpSpPr/>
+        <p:nvPr/>
+      </p:nvGrpSpPr>
+      <p:grpSpPr>
+        <a:xfrm>
+          <a:off x="0" y="0"/>
+          <a:ext cx="0" cy="0"/>
+          <a:chOff x="0" y="0"/>
+          <a:chExt cx="0" cy="0"/>
+        </a:xfrm>
+      </p:grpSpPr>
+      <p:sp>
+        <p:nvSpPr>
+          <p:cNvPr id="2" name="Titel 1"/>
+          <p:cNvSpPr>
+            <a:spLocks noGrp="1"/>
+          </p:cNvSpPr>
+          <p:nvPr>
+            <p:ph type="title"/>
+          </p:nvPr>
+        </p:nvSpPr>
+        <p:spPr/>
+        <p:txBody>
+          <a:bodyPr/>
+          <a:lstStyle/>
+          <a:p>
+            <a:r>
+              <a:rPr lang="de-DE" dirty="0" smtClean="0"/>
+              <a:t>Demo im Quellcode</a:t>
+            </a:r>
+            <a:endParaRPr lang="de-DE" dirty="0"/>
+          </a:p>
+        </p:txBody>
+      </p:sp>
+      <p:sp>
+        <p:nvSpPr>
+          <p:cNvPr id="3" name="Inhaltsplatzhalter 2"/>
+          <p:cNvSpPr>
+            <a:spLocks noGrp="1"/>
+          </p:cNvSpPr>
+          <p:nvPr>
+            <p:ph idx="1"/>
+          </p:nvPr>
+        </p:nvSpPr>
+        <p:spPr/>
+        <p:txBody>
+          <a:bodyPr>
+            <a:normAutofit/>
+          </a:bodyPr>
+          <a:lstStyle/>
+          <a:p>
+            <a:r>
+              <a:rPr lang="de-DE" dirty="0" smtClean="0"/>
+              <a:t>Sowohl Präsentation als auch das gezeigte </a:t>
+            </a:r>
+            <a:r>
+              <a:rPr lang="de-DE" dirty="0" err="1" smtClean="0"/>
+              <a:t>Eclipse</a:t>
+            </a:r>
+            <a:r>
+              <a:rPr lang="de-DE" dirty="0" smtClean="0"/>
+              <a:t> Projekt sind auf </a:t>
+            </a:r>
+            <a:r>
+              <a:rPr lang="de-DE" dirty="0" err="1" smtClean="0"/>
+              <a:t>GitHub</a:t>
+            </a:r>
+            <a:r>
+              <a:rPr lang="de-DE" dirty="0" smtClean="0"/>
+              <a:t> verfügbar:</a:t>
+            </a:r>
+          </a:p>
+          <a:p>
+            <a:pPr>
+              <a:buNone/>
+            </a:pPr>
+            <a:r>
+              <a:rPr lang="de-DE" sz="2200" dirty="0" smtClean="0"/>
+              <a:t>	</a:t>
+            </a:r>
+            <a:r>
+              <a:rPr lang="de-DE" sz="2600" dirty="0" smtClean="0"/>
+              <a:t>https</a:t>
+            </a:r>
+            <a:r>
+              <a:rPr lang="de-DE" sz="2600" dirty="0" smtClean="0"/>
+              <a:t>://github.com/flitzpiepe96/Mockito </a:t>
+            </a:r>
+            <a:endParaRPr lang="de-DE" dirty="0" smtClean="0"/>
+          </a:p>
+          <a:p>
+            <a:r>
+              <a:rPr lang="de-DE" dirty="0" smtClean="0"/>
+              <a:t>Zum Testen des Projekts:</a:t>
+            </a:r>
+          </a:p>
+          <a:p>
+            <a:pPr marL="971550" lvl="1" indent="-514350">
+              <a:buFont typeface="+mj-lt"/>
+              <a:buAutoNum type="arabicPeriod"/>
+            </a:pPr>
+            <a:r>
+              <a:rPr lang="de-DE" dirty="0" err="1" smtClean="0"/>
+              <a:t>Eclipse</a:t>
+            </a:r>
+            <a:r>
+              <a:rPr lang="de-DE" dirty="0" smtClean="0"/>
+              <a:t> </a:t>
+            </a:r>
+            <a:r>
+              <a:rPr lang="de-DE" dirty="0" smtClean="0"/>
+              <a:t>runterladen</a:t>
+            </a:r>
+          </a:p>
+          <a:p>
+            <a:pPr marL="971550" lvl="1" indent="-514350">
+              <a:buFont typeface="+mj-lt"/>
+              <a:buAutoNum type="arabicPeriod"/>
+            </a:pPr>
+            <a:r>
+              <a:rPr lang="de-DE" dirty="0" smtClean="0"/>
+              <a:t>Projekt aus </a:t>
+            </a:r>
+            <a:r>
+              <a:rPr lang="de-DE" dirty="0" err="1" smtClean="0"/>
+              <a:t>GitHub</a:t>
+            </a:r>
+            <a:r>
+              <a:rPr lang="de-DE" dirty="0" smtClean="0"/>
+              <a:t> </a:t>
+            </a:r>
+            <a:r>
+              <a:rPr lang="de-DE" dirty="0" smtClean="0"/>
+              <a:t>runterladen</a:t>
+            </a:r>
+          </a:p>
+          <a:p>
+            <a:pPr marL="971550" lvl="1" indent="-514350">
+              <a:buFont typeface="+mj-lt"/>
+              <a:buAutoNum type="arabicPeriod"/>
+            </a:pPr>
+            <a:r>
+              <a:rPr lang="de-DE" dirty="0" smtClean="0"/>
+              <a:t>In </a:t>
+            </a:r>
+            <a:r>
+              <a:rPr lang="de-DE" dirty="0" err="1" smtClean="0"/>
+              <a:t>Eclipse</a:t>
+            </a:r>
+            <a:r>
+              <a:rPr lang="de-DE" dirty="0" smtClean="0"/>
+              <a:t>: Import -&gt; </a:t>
+            </a:r>
+            <a:r>
+              <a:rPr lang="de-DE" dirty="0" err="1" smtClean="0"/>
+              <a:t>Existing</a:t>
+            </a:r>
+            <a:r>
+              <a:rPr lang="de-DE" dirty="0" smtClean="0"/>
+              <a:t> </a:t>
+            </a:r>
+            <a:r>
+              <a:rPr lang="de-DE" dirty="0" err="1" smtClean="0"/>
+              <a:t>Maven</a:t>
+            </a:r>
+            <a:r>
+              <a:rPr lang="de-DE" dirty="0" smtClean="0"/>
+              <a:t> Project</a:t>
+            </a:r>
+            <a:endParaRPr lang="de-DE" dirty="0"/>
+          </a:p>
+        </p:txBody>
+      </p:sp>
+      <p:sp>
+        <p:nvSpPr>
+          <p:cNvPr id="4" name="Datumsplatzhalter 3"/>
+          <p:cNvSpPr>
+            <a:spLocks noGrp="1"/>
+          </p:cNvSpPr>
+          <p:nvPr>
+            <p:ph type="dt" sz="half" idx="10"/>
+          </p:nvPr>
+        </p:nvSpPr>
+        <p:spPr/>
+        <p:txBody>
+          <a:bodyPr/>
+          <a:lstStyle/>
+          <a:p>
+            <a:fld id="{2A115A61-701A-4DB5-90AD-1C6D6B35CCCC}" type="datetime1">
+              <a:rPr lang="de-DE" smtClean="0"/>
+              <a:pPr/>
+              <a:t>18.04.2017</a:t>
+            </a:fld>
+            <a:endParaRPr lang="de-DE"/>
+          </a:p>
+        </p:txBody>
+      </p:sp>
+      <p:sp>
+        <p:nvSpPr>
+          <p:cNvPr id="5" name="Fußzeilenplatzhalter 4"/>
+          <p:cNvSpPr>
+            <a:spLocks noGrp="1"/>
+          </p:cNvSpPr>
+          <p:nvPr>
+            <p:ph type="ftr" sz="quarter" idx="11"/>
+          </p:nvPr>
+        </p:nvSpPr>
+        <p:spPr/>
+        <p:txBody>
+          <a:bodyPr/>
+          <a:lstStyle/>
+          <a:p>
+            <a:r>
+              <a:rPr lang="de-DE" smtClean="0"/>
+              <a:t>Marco Herglotz</a:t>
+            </a:r>
+            <a:endParaRPr lang="de-DE"/>
+          </a:p>
+        </p:txBody>
+      </p:sp>
+      <p:sp>
+        <p:nvSpPr>
+          <p:cNvPr id="6" name="Foliennummernplatzhalter 5"/>
+          <p:cNvSpPr>
+            <a:spLocks noGrp="1"/>
+          </p:cNvSpPr>
+          <p:nvPr>
+            <p:ph type="sldNum" sz="quarter" idx="12"/>
+          </p:nvPr>
+        </p:nvSpPr>
+        <p:spPr/>
+        <p:txBody>
+          <a:bodyPr/>
+          <a:lstStyle/>
+          <a:p>
+            <a:fld id="{BCC334D0-36E0-4136-A3CA-BA8DC17FCE6F}" type="slidenum">
+              <a:rPr lang="de-DE" smtClean="0"/>
+              <a:pPr/>
+              <a:t>7</a:t>
+            </a:fld>
             <a:endParaRPr lang="de-DE"/>
           </a:p>
         </p:txBody>
